--- a/NBA Award Models Presentation.pptx
+++ b/NBA Award Models Presentation.pptx
@@ -11,7 +11,8 @@
     <p:sldId id="264" r:id="rId5"/>
     <p:sldId id="266" r:id="rId6"/>
     <p:sldId id="265" r:id="rId7"/>
-    <p:sldId id="262" r:id="rId8"/>
+    <p:sldId id="267" r:id="rId8"/>
+    <p:sldId id="262" r:id="rId9"/>
   </p:sldIdLst>
   <p:sldSz cx="12192000" cy="6858000"/>
   <p:notesSz cx="6858000" cy="9144000"/>
@@ -4380,6 +4381,104 @@
           <p:cNvPr id="2" name="Title 1">
             <a:extLst>
               <a:ext uri="{FF2B5EF4-FFF2-40B4-BE49-F238E27FC236}">
+                <a16:creationId xmlns:a16="http://schemas.microsoft.com/office/drawing/2014/main" id="{73493D13-E5B9-07E4-4979-A17CD8A1BB7B}"/>
+              </a:ext>
+            </a:extLst>
+          </p:cNvPr>
+          <p:cNvSpPr>
+            <a:spLocks noGrp="1"/>
+          </p:cNvSpPr>
+          <p:nvPr>
+            <p:ph type="title"/>
+          </p:nvPr>
+        </p:nvSpPr>
+        <p:spPr/>
+        <p:txBody>
+          <a:bodyPr/>
+          <a:lstStyle/>
+          <a:p>
+            <a:r>
+              <a:rPr lang="en-US" dirty="0"/>
+              <a:t>Final Thoughts</a:t>
+            </a:r>
+          </a:p>
+        </p:txBody>
+      </p:sp>
+      <p:sp>
+        <p:nvSpPr>
+          <p:cNvPr id="3" name="Content Placeholder 2">
+            <a:extLst>
+              <a:ext uri="{FF2B5EF4-FFF2-40B4-BE49-F238E27FC236}">
+                <a16:creationId xmlns:a16="http://schemas.microsoft.com/office/drawing/2014/main" id="{C74B897E-CF4E-E456-660A-911A2A86A3B1}"/>
+              </a:ext>
+            </a:extLst>
+          </p:cNvPr>
+          <p:cNvSpPr>
+            <a:spLocks noGrp="1"/>
+          </p:cNvSpPr>
+          <p:nvPr>
+            <p:ph idx="1"/>
+          </p:nvPr>
+        </p:nvSpPr>
+        <p:spPr/>
+        <p:txBody>
+          <a:bodyPr/>
+          <a:lstStyle/>
+          <a:p>
+            <a:r>
+              <a:rPr lang="en-US" dirty="0"/>
+              <a:t>These models were effective in determining the outcomes of the 4 awards I chose.</a:t>
+            </a:r>
+          </a:p>
+          <a:p>
+            <a:r>
+              <a:rPr lang="en-US" dirty="0"/>
+              <a:t>To improve it, I would try to look at a player’s progression over multiple seasons to forecast the future performance.</a:t>
+            </a:r>
+          </a:p>
+          <a:p>
+            <a:r>
+              <a:rPr lang="en-US" dirty="0"/>
+              <a:t>It could also be useful to add in data on team success, as that would have some effects on the model. </a:t>
+            </a:r>
+          </a:p>
+        </p:txBody>
+      </p:sp>
+    </p:spTree>
+    <p:extLst>
+      <p:ext uri="{BB962C8B-B14F-4D97-AF65-F5344CB8AC3E}">
+        <p14:creationId xmlns:p14="http://schemas.microsoft.com/office/powerpoint/2010/main" val="3937483345"/>
+      </p:ext>
+    </p:extLst>
+  </p:cSld>
+  <p:clrMapOvr>
+    <a:masterClrMapping/>
+  </p:clrMapOvr>
+</p:sld>
+</file>
+
+<file path=ppt/slides/slide8.xml><?xml version="1.0" encoding="utf-8"?>
+<p:sld xmlns:a="http://schemas.openxmlformats.org/drawingml/2006/main" xmlns:r="http://schemas.openxmlformats.org/officeDocument/2006/relationships" xmlns:p="http://schemas.openxmlformats.org/presentationml/2006/main">
+  <p:cSld>
+    <p:spTree>
+      <p:nvGrpSpPr>
+        <p:cNvPr id="1" name=""/>
+        <p:cNvGrpSpPr/>
+        <p:nvPr/>
+      </p:nvGrpSpPr>
+      <p:grpSpPr>
+        <a:xfrm>
+          <a:off x="0" y="0"/>
+          <a:ext cx="0" cy="0"/>
+          <a:chOff x="0" y="0"/>
+          <a:chExt cx="0" cy="0"/>
+        </a:xfrm>
+      </p:grpSpPr>
+      <p:sp>
+        <p:nvSpPr>
+          <p:cNvPr id="2" name="Title 1">
+            <a:extLst>
+              <a:ext uri="{FF2B5EF4-FFF2-40B4-BE49-F238E27FC236}">
                 <a16:creationId xmlns:a16="http://schemas.microsoft.com/office/drawing/2014/main" id="{9FBBFFE0-62FC-3B1E-4A4D-501B63A22776}"/>
               </a:ext>
             </a:extLst>

--- a/NBA Award Models Presentation.pptx
+++ b/NBA Award Models Presentation.pptx
@@ -7,12 +7,11 @@
   <p:sldIdLst>
     <p:sldId id="256" r:id="rId2"/>
     <p:sldId id="257" r:id="rId3"/>
-    <p:sldId id="258" r:id="rId4"/>
-    <p:sldId id="264" r:id="rId5"/>
-    <p:sldId id="266" r:id="rId6"/>
-    <p:sldId id="265" r:id="rId7"/>
-    <p:sldId id="267" r:id="rId8"/>
-    <p:sldId id="262" r:id="rId9"/>
+    <p:sldId id="264" r:id="rId4"/>
+    <p:sldId id="266" r:id="rId5"/>
+    <p:sldId id="265" r:id="rId6"/>
+    <p:sldId id="267" r:id="rId7"/>
+    <p:sldId id="262" r:id="rId8"/>
   </p:sldIdLst>
   <p:sldSz cx="12192000" cy="6858000"/>
   <p:notesSz cx="6858000" cy="9144000"/>
@@ -3683,116 +3682,12 @@
 <file path=ppt/slides/slide3.xml><?xml version="1.0" encoding="utf-8"?>
 <p:sld xmlns:a="http://schemas.openxmlformats.org/drawingml/2006/main" xmlns:r="http://schemas.openxmlformats.org/officeDocument/2006/relationships" xmlns:p="http://schemas.openxmlformats.org/presentationml/2006/main">
   <p:cSld>
-    <p:spTree>
-      <p:nvGrpSpPr>
-        <p:cNvPr id="1" name=""/>
-        <p:cNvGrpSpPr/>
-        <p:nvPr/>
-      </p:nvGrpSpPr>
-      <p:grpSpPr>
-        <a:xfrm>
-          <a:off x="0" y="0"/>
-          <a:ext cx="0" cy="0"/>
-          <a:chOff x="0" y="0"/>
-          <a:chExt cx="0" cy="0"/>
-        </a:xfrm>
-      </p:grpSpPr>
-      <p:sp>
-        <p:nvSpPr>
-          <p:cNvPr id="4" name="Title 3">
-            <a:extLst>
-              <a:ext uri="{FF2B5EF4-FFF2-40B4-BE49-F238E27FC236}">
-                <a16:creationId xmlns:a16="http://schemas.microsoft.com/office/drawing/2014/main" id="{01D9E521-AD36-18F1-0F13-49516891C653}"/>
-              </a:ext>
-            </a:extLst>
-          </p:cNvPr>
-          <p:cNvSpPr>
-            <a:spLocks noGrp="1"/>
-          </p:cNvSpPr>
-          <p:nvPr>
-            <p:ph type="title"/>
-          </p:nvPr>
-        </p:nvSpPr>
-        <p:spPr/>
-        <p:txBody>
-          <a:bodyPr/>
-          <a:lstStyle/>
-          <a:p>
-            <a:r>
-              <a:rPr lang="en-US" dirty="0"/>
-              <a:t>Ethical Considerations</a:t>
-            </a:r>
-          </a:p>
-        </p:txBody>
-      </p:sp>
-      <p:sp>
-        <p:nvSpPr>
-          <p:cNvPr id="5" name="Content Placeholder 4">
-            <a:extLst>
-              <a:ext uri="{FF2B5EF4-FFF2-40B4-BE49-F238E27FC236}">
-                <a16:creationId xmlns:a16="http://schemas.microsoft.com/office/drawing/2014/main" id="{F804CE79-9FAE-BA61-DE4D-3F6AB4C5E543}"/>
-              </a:ext>
-            </a:extLst>
-          </p:cNvPr>
-          <p:cNvSpPr>
-            <a:spLocks noGrp="1"/>
-          </p:cNvSpPr>
-          <p:nvPr>
-            <p:ph idx="1"/>
-          </p:nvPr>
-        </p:nvSpPr>
-        <p:spPr/>
-        <p:txBody>
-          <a:bodyPr/>
-          <a:lstStyle/>
-          <a:p>
-            <a:r>
-              <a:rPr lang="en-US" dirty="0"/>
-              <a:t>NBA data is publicly available.</a:t>
-            </a:r>
-          </a:p>
-          <a:p>
-            <a:r>
-              <a:rPr lang="en-US" dirty="0"/>
-              <a:t>This data set was downloaded from </a:t>
-            </a:r>
-            <a:r>
-              <a:rPr lang="en-US" dirty="0" err="1"/>
-              <a:t>Kaggle.com</a:t>
-            </a:r>
-            <a:r>
-              <a:rPr lang="en-US" dirty="0"/>
-              <a:t>, a website for data scientists and others to share large data sets.</a:t>
-            </a:r>
-          </a:p>
-          <a:p>
-            <a:r>
-              <a:rPr lang="en-US" dirty="0"/>
-              <a:t>Data only included stats that can be scraped for free from the NBA website.</a:t>
-            </a:r>
-          </a:p>
-        </p:txBody>
-      </p:sp>
-    </p:spTree>
-    <p:extLst>
-      <p:ext uri="{BB962C8B-B14F-4D97-AF65-F5344CB8AC3E}">
-        <p14:creationId xmlns:p14="http://schemas.microsoft.com/office/powerpoint/2010/main" val="432420731"/>
-      </p:ext>
-    </p:extLst>
-  </p:cSld>
-  <p:clrMapOvr>
-    <a:masterClrMapping/>
-  </p:clrMapOvr>
-</p:sld>
-</file>
-
-<file path=ppt/slides/slide4.xml><?xml version="1.0" encoding="utf-8"?>
-<p:sld xmlns:a="http://schemas.openxmlformats.org/drawingml/2006/main" xmlns:r="http://schemas.openxmlformats.org/officeDocument/2006/relationships" xmlns:p="http://schemas.openxmlformats.org/presentationml/2006/main">
-  <p:cSld>
     <p:bg>
       <p:bgPr>
         <a:solidFill>
-          <a:schemeClr val="bg1"/>
+          <a:schemeClr val="bg1">
+            <a:lumMod val="95000"/>
+          </a:schemeClr>
         </a:solidFill>
         <a:effectLst/>
       </p:bgPr>
@@ -3811,6 +3706,127 @@
           <a:chExt cx="0" cy="0"/>
         </a:xfrm>
       </p:grpSpPr>
+      <p:sp useBgFill="1">
+        <p:nvSpPr>
+          <p:cNvPr id="24" name="Rectangle 23">
+            <a:extLst>
+              <a:ext uri="{FF2B5EF4-FFF2-40B4-BE49-F238E27FC236}">
+                <a16:creationId xmlns:a16="http://schemas.microsoft.com/office/drawing/2014/main" id="{930BC020-BDBF-49EB-9898-BAB5BF559317}"/>
+              </a:ext>
+              <a:ext uri="{C183D7F6-B498-43B3-948B-1728B52AA6E4}">
+                <adec:decorative xmlns:adec="http://schemas.microsoft.com/office/drawing/2017/decorative" val="1"/>
+              </a:ext>
+            </a:extLst>
+          </p:cNvPr>
+          <p:cNvSpPr>
+            <a:spLocks noGrp="1" noRot="1" noChangeAspect="1" noMove="1" noResize="1" noEditPoints="1" noAdjustHandles="1" noChangeArrowheads="1" noChangeShapeType="1" noTextEdit="1"/>
+          </p:cNvSpPr>
+          <p:nvPr>
+            <p:extLst>
+              <p:ext uri="{386F3935-93C4-4BCD-93E2-E3B085C9AB24}">
+                <p16:designElem xmlns:p16="http://schemas.microsoft.com/office/powerpoint/2015/main" val="1"/>
+              </p:ext>
+            </p:extLst>
+          </p:nvPr>
+        </p:nvSpPr>
+        <p:spPr>
+          <a:xfrm>
+            <a:off x="0" y="-2"/>
+            <a:ext cx="12192000" cy="6858001"/>
+          </a:xfrm>
+          <a:prstGeom prst="rect">
+            <a:avLst/>
+          </a:prstGeom>
+          <a:ln>
+            <a:noFill/>
+          </a:ln>
+        </p:spPr>
+        <p:style>
+          <a:lnRef idx="2">
+            <a:schemeClr val="accent1">
+              <a:shade val="50000"/>
+            </a:schemeClr>
+          </a:lnRef>
+          <a:fillRef idx="1">
+            <a:schemeClr val="accent1"/>
+          </a:fillRef>
+          <a:effectRef idx="0">
+            <a:schemeClr val="accent1"/>
+          </a:effectRef>
+          <a:fontRef idx="minor">
+            <a:schemeClr val="lt1"/>
+          </a:fontRef>
+        </p:style>
+        <p:txBody>
+          <a:bodyPr rtlCol="0" anchor="ctr"/>
+          <a:lstStyle/>
+          <a:p>
+            <a:pPr algn="ctr"/>
+            <a:endParaRPr lang="en-US"/>
+          </a:p>
+        </p:txBody>
+      </p:sp>
+      <p:sp>
+        <p:nvSpPr>
+          <p:cNvPr id="26" name="Rectangle 25">
+            <a:extLst>
+              <a:ext uri="{FF2B5EF4-FFF2-40B4-BE49-F238E27FC236}">
+                <a16:creationId xmlns:a16="http://schemas.microsoft.com/office/drawing/2014/main" id="{64950C64-5D81-40F1-9601-8BA0D63BAE74}"/>
+              </a:ext>
+              <a:ext uri="{C183D7F6-B498-43B3-948B-1728B52AA6E4}">
+                <adec:decorative xmlns:adec="http://schemas.microsoft.com/office/drawing/2017/decorative" val="1"/>
+              </a:ext>
+            </a:extLst>
+          </p:cNvPr>
+          <p:cNvSpPr>
+            <a:spLocks noGrp="1" noRot="1" noChangeAspect="1" noMove="1" noResize="1" noEditPoints="1" noAdjustHandles="1" noChangeArrowheads="1" noChangeShapeType="1" noTextEdit="1"/>
+          </p:cNvSpPr>
+          <p:nvPr>
+            <p:extLst>
+              <p:ext uri="{386F3935-93C4-4BCD-93E2-E3B085C9AB24}">
+                <p16:designElem xmlns:p16="http://schemas.microsoft.com/office/powerpoint/2015/main" val="1"/>
+              </p:ext>
+            </p:extLst>
+          </p:nvPr>
+        </p:nvSpPr>
+        <p:spPr>
+          <a:xfrm>
+            <a:off x="0" y="3429000"/>
+            <a:ext cx="12192000" cy="3429000"/>
+          </a:xfrm>
+          <a:prstGeom prst="rect">
+            <a:avLst/>
+          </a:prstGeom>
+          <a:solidFill>
+            <a:schemeClr val="tx2"/>
+          </a:solidFill>
+          <a:ln>
+            <a:noFill/>
+          </a:ln>
+        </p:spPr>
+        <p:style>
+          <a:lnRef idx="0">
+            <a:scrgbClr r="0" g="0" b="0"/>
+          </a:lnRef>
+          <a:fillRef idx="0">
+            <a:scrgbClr r="0" g="0" b="0"/>
+          </a:fillRef>
+          <a:effectRef idx="0">
+            <a:scrgbClr r="0" g="0" b="0"/>
+          </a:effectRef>
+          <a:fontRef idx="minor">
+            <a:schemeClr val="lt1"/>
+          </a:fontRef>
+        </p:style>
+        <p:txBody>
+          <a:bodyPr rtlCol="0" anchor="ctr"/>
+          <a:lstStyle/>
+          <a:p>
+            <a:pPr algn="ctr"/>
+            <a:endParaRPr lang="en-US"/>
+          </a:p>
+        </p:txBody>
+      </p:sp>
       <p:sp>
         <p:nvSpPr>
           <p:cNvPr id="2" name="Title 1">
@@ -3828,9 +3844,16 @@
           </p:nvPr>
         </p:nvSpPr>
         <p:spPr>
-          <a:solidFill>
-            <a:srgbClr val="FFFFFF"/>
-          </a:solidFill>
+          <a:xfrm>
+            <a:off x="2231136" y="3781241"/>
+            <a:ext cx="7729729" cy="855406"/>
+          </a:xfrm>
+          <a:noFill/>
+          <a:ln>
+            <a:solidFill>
+              <a:schemeClr val="bg1"/>
+            </a:solidFill>
+          </a:ln>
         </p:spPr>
         <p:txBody>
           <a:bodyPr vert="horz" lIns="182880" tIns="182880" rIns="182880" bIns="182880" rtlCol="0" anchor="ctr">
@@ -3839,19 +3862,47 @@
           <a:lstStyle/>
           <a:p>
             <a:r>
-              <a:rPr lang="en-US" sz="2800" kern="1200" cap="all" spc="200" baseline="0" dirty="0">
+              <a:rPr lang="en-US" sz="2400">
                 <a:solidFill>
-                  <a:srgbClr val="262626"/>
+                  <a:schemeClr val="bg1"/>
                 </a:solidFill>
-                <a:latin typeface="+mj-lt"/>
-                <a:ea typeface="+mj-ea"/>
-                <a:cs typeface="+mj-cs"/>
               </a:rPr>
               <a:t>Data Cleaning &amp; Storage</a:t>
             </a:r>
           </a:p>
         </p:txBody>
       </p:sp>
+      <p:pic>
+        <p:nvPicPr>
+          <p:cNvPr id="19" name="Picture Placeholder 18" descr="A screenshot of a computer&#10;&#10;Description automatically generated">
+            <a:extLst>
+              <a:ext uri="{FF2B5EF4-FFF2-40B4-BE49-F238E27FC236}">
+                <a16:creationId xmlns:a16="http://schemas.microsoft.com/office/drawing/2014/main" id="{E88E72DC-14DB-EA19-8EA9-F05AE5285700}"/>
+              </a:ext>
+            </a:extLst>
+          </p:cNvPr>
+          <p:cNvPicPr>
+            <a:picLocks noGrp="1" noChangeAspect="1"/>
+          </p:cNvPicPr>
+          <p:nvPr>
+            <p:ph type="pic" idx="1"/>
+          </p:nvPr>
+        </p:nvPicPr>
+        <p:blipFill rotWithShape="1">
+          <a:blip r:embed="rId2"/>
+          <a:srcRect b="2174"/>
+          <a:stretch/>
+        </p:blipFill>
+        <p:spPr>
+          <a:xfrm>
+            <a:off x="20" y="-2"/>
+            <a:ext cx="12191980" cy="3429000"/>
+          </a:xfrm>
+          <a:prstGeom prst="rect">
+            <a:avLst/>
+          </a:prstGeom>
+        </p:spPr>
+      </p:pic>
       <p:sp>
         <p:nvSpPr>
           <p:cNvPr id="3" name="Content Placeholder 2">
@@ -3865,69 +3916,61 @@
             <a:spLocks noGrp="1"/>
           </p:cNvSpPr>
           <p:nvPr>
-            <p:ph sz="half" idx="1"/>
-          </p:nvPr>
-        </p:nvSpPr>
-        <p:spPr/>
+            <p:ph type="body" sz="half" idx="2"/>
+          </p:nvPr>
+        </p:nvSpPr>
+        <p:spPr>
+          <a:xfrm>
+            <a:off x="2238412" y="4846076"/>
+            <a:ext cx="7715177" cy="1271556"/>
+          </a:xfrm>
+        </p:spPr>
         <p:txBody>
           <a:bodyPr vert="horz" lIns="91440" tIns="45720" rIns="91440" bIns="45720" rtlCol="0">
             <a:normAutofit/>
           </a:bodyPr>
           <a:lstStyle/>
           <a:p>
-            <a:r>
-              <a:rPr lang="en-US" dirty="0">
+            <a:pPr indent="-228600" algn="l">
+              <a:buFont typeface="Arial" panose="020B0604020202020204" pitchFamily="34" charset="0"/>
+              <a:buChar char="•"/>
+            </a:pPr>
+            <a:r>
+              <a:rPr lang="en-US">
                 <a:solidFill>
-                  <a:srgbClr val="404040"/>
+                  <a:schemeClr val="bg1"/>
                 </a:solidFill>
               </a:rPr>
               <a:t>The data was stored in a PostgreSQL database.</a:t>
             </a:r>
           </a:p>
           <a:p>
-            <a:r>
-              <a:rPr lang="en-US" dirty="0">
+            <a:pPr indent="-228600" algn="l">
+              <a:buFont typeface="Arial" panose="020B0604020202020204" pitchFamily="34" charset="0"/>
+              <a:buChar char="•"/>
+            </a:pPr>
+            <a:r>
+              <a:rPr lang="en-US">
                 <a:solidFill>
-                  <a:srgbClr val="404040"/>
+                  <a:schemeClr val="bg1"/>
                 </a:solidFill>
               </a:rPr>
               <a:t>The CSVs were imported into a Python file for cleaning.</a:t>
             </a:r>
           </a:p>
           <a:p>
-            <a:r>
-              <a:rPr lang="en-US" dirty="0">
+            <a:pPr indent="-228600" algn="l">
+              <a:buFont typeface="Arial" panose="020B0604020202020204" pitchFamily="34" charset="0"/>
+              <a:buChar char="•"/>
+            </a:pPr>
+            <a:r>
+              <a:rPr lang="en-US">
                 <a:solidFill>
-                  <a:srgbClr val="404040"/>
+                  <a:schemeClr val="bg1"/>
                 </a:solidFill>
               </a:rPr>
               <a:t>I dropped unnecessary columns, filled null values, merged data sets, and created dummy variables to be used as the Y values.</a:t>
             </a:r>
-          </a:p>
-        </p:txBody>
-      </p:sp>
-      <p:sp>
-        <p:nvSpPr>
-          <p:cNvPr id="16" name="Content Placeholder 15">
-            <a:extLst>
-              <a:ext uri="{FF2B5EF4-FFF2-40B4-BE49-F238E27FC236}">
-                <a16:creationId xmlns:a16="http://schemas.microsoft.com/office/drawing/2014/main" id="{6BFF6161-4D6A-C8A3-EC93-4F21C9F0404E}"/>
-              </a:ext>
-            </a:extLst>
-          </p:cNvPr>
-          <p:cNvSpPr>
-            <a:spLocks noGrp="1"/>
-          </p:cNvSpPr>
-          <p:nvPr>
-            <p:ph sz="half" idx="2"/>
-          </p:nvPr>
-        </p:nvSpPr>
-        <p:spPr/>
-        <p:txBody>
-          <a:bodyPr/>
-          <a:lstStyle/>
-          <a:p>
-            <a:endParaRPr lang="en-US"/>
           </a:p>
         </p:txBody>
       </p:sp>
@@ -3944,7 +3987,7 @@
 </p:sld>
 </file>
 
-<file path=ppt/slides/slide5.xml><?xml version="1.0" encoding="utf-8"?>
+<file path=ppt/slides/slide4.xml><?xml version="1.0" encoding="utf-8"?>
 <p:sld xmlns:a="http://schemas.openxmlformats.org/drawingml/2006/main" xmlns:r="http://schemas.openxmlformats.org/officeDocument/2006/relationships" xmlns:p="http://schemas.openxmlformats.org/presentationml/2006/main">
   <p:cSld>
     <p:spTree>
@@ -4062,7 +4105,7 @@
 </p:sld>
 </file>
 
-<file path=ppt/slides/slide6.xml><?xml version="1.0" encoding="utf-8"?>
+<file path=ppt/slides/slide5.xml><?xml version="1.0" encoding="utf-8"?>
 <p:sld xmlns:a="http://schemas.openxmlformats.org/drawingml/2006/main" xmlns:r="http://schemas.openxmlformats.org/officeDocument/2006/relationships" xmlns:p="http://schemas.openxmlformats.org/presentationml/2006/main">
   <p:cSld>
     <p:bg>
@@ -4316,7 +4359,7 @@
           <a:lstStyle/>
           <a:p>
             <a:r>
-              <a:rPr lang="en-US" sz="1700">
+              <a:rPr lang="en-US" sz="1700" dirty="0">
                 <a:solidFill>
                   <a:schemeClr val="bg1"/>
                 </a:solidFill>
@@ -4326,7 +4369,7 @@
           </a:p>
           <a:p>
             <a:r>
-              <a:rPr lang="en-US" sz="1700">
+              <a:rPr lang="en-US" sz="1700" dirty="0">
                 <a:solidFill>
                   <a:schemeClr val="bg1"/>
                 </a:solidFill>
@@ -4336,12 +4379,12 @@
           </a:p>
           <a:p>
             <a:r>
-              <a:rPr lang="en-US" sz="1700">
+              <a:rPr lang="en-US" sz="1700" dirty="0">
                 <a:solidFill>
                   <a:schemeClr val="bg1"/>
                 </a:solidFill>
               </a:rPr>
-              <a:t>Each model was saved to an h5 file and was over 95% accurate.</a:t>
+              <a:t>Each model was saved to an h5 file and was over 96% accurate.</a:t>
             </a:r>
           </a:p>
         </p:txBody>
@@ -4359,7 +4402,7 @@
 </p:sld>
 </file>
 
-<file path=ppt/slides/slide7.xml><?xml version="1.0" encoding="utf-8"?>
+<file path=ppt/slides/slide6.xml><?xml version="1.0" encoding="utf-8"?>
 <p:sld xmlns:a="http://schemas.openxmlformats.org/drawingml/2006/main" xmlns:r="http://schemas.openxmlformats.org/officeDocument/2006/relationships" xmlns:p="http://schemas.openxmlformats.org/presentationml/2006/main">
   <p:cSld>
     <p:spTree>
@@ -4457,7 +4500,7 @@
 </p:sld>
 </file>
 
-<file path=ppt/slides/slide8.xml><?xml version="1.0" encoding="utf-8"?>
+<file path=ppt/slides/slide7.xml><?xml version="1.0" encoding="utf-8"?>
 <p:sld xmlns:a="http://schemas.openxmlformats.org/drawingml/2006/main" xmlns:r="http://schemas.openxmlformats.org/officeDocument/2006/relationships" xmlns:p="http://schemas.openxmlformats.org/presentationml/2006/main">
   <p:cSld>
     <p:spTree>
